--- a/Final.pptx
+++ b/Final.pptx
@@ -108,6 +108,11 @@
       </a:defRPr>
     </a:lvl9pPr>
   </p:defaultTextStyle>
+  <p:extLst>
+    <p:ext uri="{EFAFB233-063F-42B5-8137-9DF3F51BA10A}">
+      <p15:sldGuideLst xmlns:p15="http://schemas.microsoft.com/office/powerpoint/2012/main"/>
+    </p:ext>
+  </p:extLst>
 </p:presentation>
 </file>
 
@@ -280,7 +285,7 @@
           <a:p>
             <a:fld id="{F546BE08-CFE2-49C5-89CB-7DA777B312C4}" type="datetimeFigureOut">
               <a:rPr lang="en-US" smtClean="0"/>
-              <a:t>12/15/2018</a:t>
+              <a:t>12/17/2018</a:t>
             </a:fld>
             <a:endParaRPr lang="en-US"/>
           </a:p>
@@ -610,7 +615,7 @@
           <a:p>
             <a:fld id="{F546BE08-CFE2-49C5-89CB-7DA777B312C4}" type="datetimeFigureOut">
               <a:rPr lang="en-US" smtClean="0"/>
-              <a:t>12/15/2018</a:t>
+              <a:t>12/17/2018</a:t>
             </a:fld>
             <a:endParaRPr lang="en-US"/>
           </a:p>
@@ -790,7 +795,7 @@
           <a:p>
             <a:fld id="{F546BE08-CFE2-49C5-89CB-7DA777B312C4}" type="datetimeFigureOut">
               <a:rPr lang="en-US" smtClean="0"/>
-              <a:t>12/15/2018</a:t>
+              <a:t>12/17/2018</a:t>
             </a:fld>
             <a:endParaRPr lang="en-US"/>
           </a:p>
@@ -960,7 +965,7 @@
           <a:p>
             <a:fld id="{F546BE08-CFE2-49C5-89CB-7DA777B312C4}" type="datetimeFigureOut">
               <a:rPr lang="en-US" smtClean="0"/>
-              <a:t>12/15/2018</a:t>
+              <a:t>12/17/2018</a:t>
             </a:fld>
             <a:endParaRPr lang="en-US"/>
           </a:p>
@@ -1237,7 +1242,7 @@
           <a:p>
             <a:fld id="{F546BE08-CFE2-49C5-89CB-7DA777B312C4}" type="datetimeFigureOut">
               <a:rPr lang="en-US" smtClean="0"/>
-              <a:t>12/15/2018</a:t>
+              <a:t>12/17/2018</a:t>
             </a:fld>
             <a:endParaRPr lang="en-US"/>
           </a:p>
@@ -1631,7 +1636,7 @@
           <a:p>
             <a:fld id="{F546BE08-CFE2-49C5-89CB-7DA777B312C4}" type="datetimeFigureOut">
               <a:rPr lang="en-US" smtClean="0"/>
-              <a:t>12/15/2018</a:t>
+              <a:t>12/17/2018</a:t>
             </a:fld>
             <a:endParaRPr lang="en-US"/>
           </a:p>
@@ -2108,7 +2113,7 @@
           <a:p>
             <a:fld id="{F546BE08-CFE2-49C5-89CB-7DA777B312C4}" type="datetimeFigureOut">
               <a:rPr lang="en-US" smtClean="0"/>
-              <a:t>12/15/2018</a:t>
+              <a:t>12/17/2018</a:t>
             </a:fld>
             <a:endParaRPr lang="en-US"/>
           </a:p>
@@ -2226,7 +2231,7 @@
           <a:p>
             <a:fld id="{F546BE08-CFE2-49C5-89CB-7DA777B312C4}" type="datetimeFigureOut">
               <a:rPr lang="en-US" smtClean="0"/>
-              <a:t>12/15/2018</a:t>
+              <a:t>12/17/2018</a:t>
             </a:fld>
             <a:endParaRPr lang="en-US"/>
           </a:p>
@@ -2321,7 +2326,7 @@
           <a:p>
             <a:fld id="{F546BE08-CFE2-49C5-89CB-7DA777B312C4}" type="datetimeFigureOut">
               <a:rPr lang="en-US" smtClean="0"/>
-              <a:t>12/15/2018</a:t>
+              <a:t>12/17/2018</a:t>
             </a:fld>
             <a:endParaRPr lang="en-US"/>
           </a:p>
@@ -2667,7 +2672,7 @@
           <a:p>
             <a:fld id="{F546BE08-CFE2-49C5-89CB-7DA777B312C4}" type="datetimeFigureOut">
               <a:rPr lang="en-US" smtClean="0"/>
-              <a:t>12/15/2018</a:t>
+              <a:t>12/17/2018</a:t>
             </a:fld>
             <a:endParaRPr lang="en-US"/>
           </a:p>
@@ -3055,7 +3060,7 @@
           <a:p>
             <a:fld id="{F546BE08-CFE2-49C5-89CB-7DA777B312C4}" type="datetimeFigureOut">
               <a:rPr lang="en-US" smtClean="0"/>
-              <a:t>12/15/2018</a:t>
+              <a:t>12/17/2018</a:t>
             </a:fld>
             <a:endParaRPr lang="en-US"/>
           </a:p>
@@ -3333,7 +3338,7 @@
           <a:p>
             <a:fld id="{F546BE08-CFE2-49C5-89CB-7DA777B312C4}" type="datetimeFigureOut">
               <a:rPr lang="en-US" smtClean="0"/>
-              <a:t>12/15/2018</a:t>
+              <a:t>12/17/2018</a:t>
             </a:fld>
             <a:endParaRPr lang="en-US"/>
           </a:p>
@@ -4176,10 +4181,10 @@
       </p:sp>
       <p:pic>
         <p:nvPicPr>
-          <p:cNvPr id="7" name="Picture 6">
+          <p:cNvPr id="4" name="Picture 3">
             <a:extLst>
               <a:ext uri="{FF2B5EF4-FFF2-40B4-BE49-F238E27FC236}">
-                <a16:creationId xmlns:a16="http://schemas.microsoft.com/office/drawing/2014/main" id="{16CC74BD-4552-45E1-AA45-2FC1B3B6BBB6}"/>
+                <a16:creationId xmlns:a16="http://schemas.microsoft.com/office/drawing/2014/main" id="{BCE81EE1-6B57-4628-9A1B-00A66EB7F998}"/>
               </a:ext>
             </a:extLst>
           </p:cNvPr>
@@ -4196,13 +4201,13 @@
               </a:ext>
             </a:extLst>
           </a:blip>
-          <a:srcRect l="8111" t="4245" r="5735" b="4533"/>
+          <a:srcRect l="9164" t="3279" r="5093" b="5100"/>
           <a:stretch/>
         </p:blipFill>
         <p:spPr>
           <a:xfrm>
-            <a:off x="1168399" y="2255521"/>
-            <a:ext cx="3129280" cy="3220720"/>
+            <a:off x="1548063" y="1823400"/>
+            <a:ext cx="4134281" cy="4080095"/>
           </a:xfrm>
           <a:prstGeom prst="rect">
             <a:avLst/>
@@ -4211,10 +4216,10 @@
       </p:pic>
       <p:pic>
         <p:nvPicPr>
-          <p:cNvPr id="11" name="Picture 10">
+          <p:cNvPr id="6" name="Picture 5">
             <a:extLst>
               <a:ext uri="{FF2B5EF4-FFF2-40B4-BE49-F238E27FC236}">
-                <a16:creationId xmlns:a16="http://schemas.microsoft.com/office/drawing/2014/main" id="{D787598E-2A0F-49F9-91CC-B20C57D3D483}"/>
+                <a16:creationId xmlns:a16="http://schemas.microsoft.com/office/drawing/2014/main" id="{0745B61A-24D0-4F04-9B19-8FD35009EA19}"/>
               </a:ext>
             </a:extLst>
           </p:cNvPr>
@@ -4231,48 +4236,13 @@
               </a:ext>
             </a:extLst>
           </a:blip>
-          <a:srcRect l="8193" t="4788" r="8473" b="2147"/>
+          <a:srcRect t="3166" b="3164"/>
           <a:stretch/>
         </p:blipFill>
         <p:spPr>
           <a:xfrm>
-            <a:off x="4927599" y="2255521"/>
-            <a:ext cx="3048000" cy="3220720"/>
-          </a:xfrm>
-          <a:prstGeom prst="rect">
-            <a:avLst/>
-          </a:prstGeom>
-        </p:spPr>
-      </p:pic>
-      <p:pic>
-        <p:nvPicPr>
-          <p:cNvPr id="15" name="Picture 14">
-            <a:extLst>
-              <a:ext uri="{FF2B5EF4-FFF2-40B4-BE49-F238E27FC236}">
-                <a16:creationId xmlns:a16="http://schemas.microsoft.com/office/drawing/2014/main" id="{E062C257-1F2C-4D68-B50A-867430E85E0E}"/>
-              </a:ext>
-            </a:extLst>
-          </p:cNvPr>
-          <p:cNvPicPr>
-            <a:picLocks noChangeAspect="1"/>
-          </p:cNvPicPr>
-          <p:nvPr/>
-        </p:nvPicPr>
-        <p:blipFill rotWithShape="1">
-          <a:blip r:embed="rId4">
-            <a:extLst>
-              <a:ext uri="{28A0092B-C50C-407E-A947-70E740481C1C}">
-                <a14:useLocalDpi xmlns:a14="http://schemas.microsoft.com/office/drawing/2010/main" val="0"/>
-              </a:ext>
-            </a:extLst>
-          </a:blip>
-          <a:srcRect l="8168" t="6893" r="4387" b="6648"/>
-          <a:stretch/>
-        </p:blipFill>
-        <p:spPr>
-          <a:xfrm>
-            <a:off x="8605519" y="2255521"/>
-            <a:ext cx="3281681" cy="3220720"/>
+            <a:off x="6984750" y="1823400"/>
+            <a:ext cx="4000710" cy="4080095"/>
           </a:xfrm>
           <a:prstGeom prst="rect">
             <a:avLst/>

--- a/Final.pptx
+++ b/Final.pptx
@@ -9,7 +9,6 @@
     <p:sldId id="257" r:id="rId3"/>
     <p:sldId id="258" r:id="rId4"/>
     <p:sldId id="259" r:id="rId5"/>
-    <p:sldId id="260" r:id="rId6"/>
   </p:sldIdLst>
   <p:sldSz cx="12192000" cy="6858000"/>
   <p:notesSz cx="6858000" cy="9144000"/>
@@ -4295,153 +4294,62 @@
             <p:ph type="title"/>
           </p:nvPr>
         </p:nvSpPr>
-        <p:spPr/>
+        <p:spPr>
+          <a:xfrm>
+            <a:off x="1371600" y="685800"/>
+            <a:ext cx="9601200" cy="1485900"/>
+          </a:xfrm>
+        </p:spPr>
         <p:txBody>
           <a:bodyPr/>
           <a:lstStyle/>
           <a:p>
             <a:r>
-              <a:rPr lang="en-US" dirty="0"/>
+              <a:rPr lang="en-US"/>
               <a:t>3D Convolution</a:t>
             </a:r>
-          </a:p>
-        </p:txBody>
-      </p:sp>
-      <p:sp>
-        <p:nvSpPr>
-          <p:cNvPr id="3" name="Content Placeholder 2">
+            <a:endParaRPr lang="en-US" dirty="0"/>
+          </a:p>
+        </p:txBody>
+      </p:sp>
+      <p:pic>
+        <p:nvPicPr>
+          <p:cNvPr id="5" name="Content Placeholder 4">
             <a:extLst>
               <a:ext uri="{FF2B5EF4-FFF2-40B4-BE49-F238E27FC236}">
-                <a16:creationId xmlns:a16="http://schemas.microsoft.com/office/drawing/2014/main" id="{DABD60C1-F2E5-4ED8-BA53-3BE7A118B0E7}"/>
+                <a16:creationId xmlns:a16="http://schemas.microsoft.com/office/drawing/2014/main" id="{E07C7AC3-D8E1-4CE4-994C-C2E265C6511C}"/>
               </a:ext>
             </a:extLst>
           </p:cNvPr>
-          <p:cNvSpPr>
-            <a:spLocks noGrp="1"/>
-          </p:cNvSpPr>
+          <p:cNvPicPr>
+            <a:picLocks noGrp="1" noChangeAspect="1"/>
+          </p:cNvPicPr>
           <p:nvPr>
             <p:ph idx="1"/>
           </p:nvPr>
-        </p:nvSpPr>
-        <p:spPr/>
-        <p:txBody>
-          <a:bodyPr/>
-          <a:lstStyle/>
-          <a:p>
-            <a:endParaRPr lang="en-US"/>
-          </a:p>
-        </p:txBody>
-      </p:sp>
+        </p:nvPicPr>
+        <p:blipFill rotWithShape="1">
+          <a:blip r:embed="rId2">
+            <a:extLst>
+              <a:ext uri="{28A0092B-C50C-407E-A947-70E740481C1C}">
+                <a14:useLocalDpi xmlns:a14="http://schemas.microsoft.com/office/drawing/2010/main" val="0"/>
+              </a:ext>
+            </a:extLst>
+          </a:blip>
+          <a:srcRect t="953"/>
+          <a:stretch/>
+        </p:blipFill>
+        <p:spPr>
+          <a:xfrm>
+            <a:off x="3497513" y="1428750"/>
+            <a:ext cx="5196974" cy="5071375"/>
+          </a:xfrm>
+        </p:spPr>
+      </p:pic>
     </p:spTree>
     <p:extLst>
       <p:ext uri="{BB962C8B-B14F-4D97-AF65-F5344CB8AC3E}">
         <p14:creationId xmlns:p14="http://schemas.microsoft.com/office/powerpoint/2010/main" val="4062559156"/>
-      </p:ext>
-    </p:extLst>
-  </p:cSld>
-  <p:clrMapOvr>
-    <a:masterClrMapping/>
-  </p:clrMapOvr>
-</p:sld>
-</file>
-
-<file path=ppt/slides/slide5.xml><?xml version="1.0" encoding="utf-8"?>
-<p:sld xmlns:a="http://schemas.openxmlformats.org/drawingml/2006/main" xmlns:r="http://schemas.openxmlformats.org/officeDocument/2006/relationships" xmlns:p="http://schemas.openxmlformats.org/presentationml/2006/main">
-  <p:cSld>
-    <p:spTree>
-      <p:nvGrpSpPr>
-        <p:cNvPr id="1" name=""/>
-        <p:cNvGrpSpPr/>
-        <p:nvPr/>
-      </p:nvGrpSpPr>
-      <p:grpSpPr>
-        <a:xfrm>
-          <a:off x="0" y="0"/>
-          <a:ext cx="0" cy="0"/>
-          <a:chOff x="0" y="0"/>
-          <a:chExt cx="0" cy="0"/>
-        </a:xfrm>
-      </p:grpSpPr>
-      <p:sp>
-        <p:nvSpPr>
-          <p:cNvPr id="2" name="Title 1">
-            <a:extLst>
-              <a:ext uri="{FF2B5EF4-FFF2-40B4-BE49-F238E27FC236}">
-                <a16:creationId xmlns:a16="http://schemas.microsoft.com/office/drawing/2014/main" id="{C56FD635-99A5-428B-8DF6-64C20BA5437C}"/>
-              </a:ext>
-            </a:extLst>
-          </p:cNvPr>
-          <p:cNvSpPr>
-            <a:spLocks noGrp="1"/>
-          </p:cNvSpPr>
-          <p:nvPr>
-            <p:ph type="title"/>
-          </p:nvPr>
-        </p:nvSpPr>
-        <p:spPr/>
-        <p:txBody>
-          <a:bodyPr/>
-          <a:lstStyle/>
-          <a:p>
-            <a:r>
-              <a:rPr lang="en-US" dirty="0"/>
-              <a:t>Results</a:t>
-            </a:r>
-          </a:p>
-        </p:txBody>
-      </p:sp>
-      <p:sp>
-        <p:nvSpPr>
-          <p:cNvPr id="3" name="Content Placeholder 2">
-            <a:extLst>
-              <a:ext uri="{FF2B5EF4-FFF2-40B4-BE49-F238E27FC236}">
-                <a16:creationId xmlns:a16="http://schemas.microsoft.com/office/drawing/2014/main" id="{ECBBE198-7A1E-4672-AD73-ED61C5EF4964}"/>
-              </a:ext>
-            </a:extLst>
-          </p:cNvPr>
-          <p:cNvSpPr>
-            <a:spLocks noGrp="1"/>
-          </p:cNvSpPr>
-          <p:nvPr>
-            <p:ph idx="1"/>
-          </p:nvPr>
-        </p:nvSpPr>
-        <p:spPr/>
-        <p:txBody>
-          <a:bodyPr/>
-          <a:lstStyle/>
-          <a:p>
-            <a:r>
-              <a:rPr lang="en-US" dirty="0"/>
-              <a:t>Accuracy </a:t>
-            </a:r>
-          </a:p>
-          <a:p>
-            <a:r>
-              <a:rPr lang="en-US" dirty="0"/>
-              <a:t>Improvement </a:t>
-            </a:r>
-          </a:p>
-          <a:p>
-            <a:pPr lvl="1"/>
-            <a:r>
-              <a:rPr lang="en-US" dirty="0"/>
-              <a:t>Need more data</a:t>
-            </a:r>
-          </a:p>
-          <a:p>
-            <a:pPr lvl="2"/>
-            <a:r>
-              <a:rPr lang="en-US" dirty="0"/>
-              <a:t>Only had 422 patients, largest data set found had ~1000</a:t>
-            </a:r>
-          </a:p>
-        </p:txBody>
-      </p:sp>
-    </p:spTree>
-    <p:extLst>
-      <p:ext uri="{BB962C8B-B14F-4D97-AF65-F5344CB8AC3E}">
-        <p14:creationId xmlns:p14="http://schemas.microsoft.com/office/powerpoint/2010/main" val="239366028"/>
       </p:ext>
     </p:extLst>
   </p:cSld>
